--- a/Presentation/L4-5 Group 6 Second pres.pptx
+++ b/Presentation/L4-5 Group 6 Second pres.pptx
@@ -310,7 +310,7 @@
             <a:fld id="{BC09E712-EE78-41FF-8A3A-F9964AC04441}" type="datetimeFigureOut">
               <a:rPr lang="en-GB" smtClean="0"/>
               <a:pPr/>
-              <a:t>21/02/2017</a:t>
+              <a:t>27/02/2017</a:t>
             </a:fld>
             <a:endParaRPr lang="en-GB"/>
           </a:p>
@@ -482,7 +482,7 @@
             <a:fld id="{BC09E712-EE78-41FF-8A3A-F9964AC04441}" type="datetimeFigureOut">
               <a:rPr lang="en-GB" smtClean="0"/>
               <a:pPr/>
-              <a:t>21/02/2017</a:t>
+              <a:t>27/02/2017</a:t>
             </a:fld>
             <a:endParaRPr lang="en-GB"/>
           </a:p>
@@ -707,7 +707,7 @@
             <a:fld id="{BC09E712-EE78-41FF-8A3A-F9964AC04441}" type="datetimeFigureOut">
               <a:rPr lang="en-GB" smtClean="0"/>
               <a:pPr/>
-              <a:t>21/02/2017</a:t>
+              <a:t>27/02/2017</a:t>
             </a:fld>
             <a:endParaRPr lang="en-GB"/>
           </a:p>
@@ -889,7 +889,7 @@
             <a:fld id="{BC09E712-EE78-41FF-8A3A-F9964AC04441}" type="datetimeFigureOut">
               <a:rPr lang="en-GB" smtClean="0"/>
               <a:pPr/>
-              <a:t>21/02/2017</a:t>
+              <a:t>27/02/2017</a:t>
             </a:fld>
             <a:endParaRPr lang="en-GB"/>
           </a:p>
@@ -1197,7 +1197,7 @@
             <a:fld id="{BC09E712-EE78-41FF-8A3A-F9964AC04441}" type="datetimeFigureOut">
               <a:rPr lang="en-GB" smtClean="0"/>
               <a:pPr/>
-              <a:t>21/02/2017</a:t>
+              <a:t>27/02/2017</a:t>
             </a:fld>
             <a:endParaRPr lang="en-GB"/>
           </a:p>
@@ -1503,7 +1503,7 @@
             <a:fld id="{BC09E712-EE78-41FF-8A3A-F9964AC04441}" type="datetimeFigureOut">
               <a:rPr lang="en-GB" smtClean="0"/>
               <a:pPr/>
-              <a:t>21/02/2017</a:t>
+              <a:t>27/02/2017</a:t>
             </a:fld>
             <a:endParaRPr lang="en-GB"/>
           </a:p>
@@ -1927,7 +1927,7 @@
             <a:fld id="{BC09E712-EE78-41FF-8A3A-F9964AC04441}" type="datetimeFigureOut">
               <a:rPr lang="en-GB" smtClean="0"/>
               <a:pPr/>
-              <a:t>21/02/2017</a:t>
+              <a:t>27/02/2017</a:t>
             </a:fld>
             <a:endParaRPr lang="en-GB"/>
           </a:p>
@@ -2047,7 +2047,7 @@
             <a:fld id="{BC09E712-EE78-41FF-8A3A-F9964AC04441}" type="datetimeFigureOut">
               <a:rPr lang="en-GB" smtClean="0"/>
               <a:pPr/>
-              <a:t>21/02/2017</a:t>
+              <a:t>27/02/2017</a:t>
             </a:fld>
             <a:endParaRPr lang="en-GB"/>
           </a:p>
@@ -2144,7 +2144,7 @@
             <a:fld id="{BC09E712-EE78-41FF-8A3A-F9964AC04441}" type="datetimeFigureOut">
               <a:rPr lang="en-GB" smtClean="0"/>
               <a:pPr/>
-              <a:t>21/02/2017</a:t>
+              <a:t>27/02/2017</a:t>
             </a:fld>
             <a:endParaRPr lang="en-GB"/>
           </a:p>
@@ -2419,7 +2419,7 @@
             <a:fld id="{BC09E712-EE78-41FF-8A3A-F9964AC04441}" type="datetimeFigureOut">
               <a:rPr lang="en-GB" smtClean="0"/>
               <a:pPr/>
-              <a:t>21/02/2017</a:t>
+              <a:t>27/02/2017</a:t>
             </a:fld>
             <a:endParaRPr lang="en-GB"/>
           </a:p>
@@ -2686,7 +2686,7 @@
             <a:fld id="{BC09E712-EE78-41FF-8A3A-F9964AC04441}" type="datetimeFigureOut">
               <a:rPr lang="en-GB" smtClean="0"/>
               <a:pPr/>
-              <a:t>21/02/2017</a:t>
+              <a:t>27/02/2017</a:t>
             </a:fld>
             <a:endParaRPr lang="en-GB"/>
           </a:p>
@@ -2937,7 +2937,7 @@
             <a:fld id="{BC09E712-EE78-41FF-8A3A-F9964AC04441}" type="datetimeFigureOut">
               <a:rPr lang="en-GB" smtClean="0"/>
               <a:pPr/>
-              <a:t>21/02/2017</a:t>
+              <a:t>27/02/2017</a:t>
             </a:fld>
             <a:endParaRPr lang="en-GB"/>
           </a:p>
@@ -4109,10 +4109,24 @@
               <a:buFont typeface="Wingdings" panose="05000000000000000000" pitchFamily="2" charset="2"/>
               <a:buChar char="v"/>
             </a:pPr>
+            <a:endParaRPr lang="en-GB" dirty="0"/>
+          </a:p>
+          <a:p>
+            <a:pPr>
+              <a:buFont typeface="Wingdings" panose="05000000000000000000" pitchFamily="2" charset="2"/>
+              <a:buChar char="v"/>
+            </a:pPr>
             <a:r>
               <a:rPr lang="en-GB" dirty="0"/>
               <a:t>Player falling</a:t>
             </a:r>
+          </a:p>
+          <a:p>
+            <a:pPr>
+              <a:buFont typeface="Wingdings" panose="05000000000000000000" pitchFamily="2" charset="2"/>
+              <a:buChar char="v"/>
+            </a:pPr>
+            <a:endParaRPr lang="en-GB" dirty="0"/>
           </a:p>
           <a:p>
             <a:pPr>
@@ -4332,25 +4346,47 @@
           </a:p>
         </p:txBody>
       </p:sp>
-      <p:sp>
-        <p:nvSpPr>
-          <p:cNvPr id="3" name="Content Placeholder 2"/>
-          <p:cNvSpPr>
-            <a:spLocks noGrp="1"/>
-          </p:cNvSpPr>
-          <p:nvPr>
-            <p:ph idx="1"/>
-          </p:nvPr>
-        </p:nvSpPr>
-        <p:spPr/>
-        <p:txBody>
-          <a:bodyPr/>
-          <a:lstStyle/>
-          <a:p>
-            <a:endParaRPr lang="en-GB" dirty="0"/>
-          </a:p>
-        </p:txBody>
-      </p:sp>
+      <p:pic>
+        <p:nvPicPr>
+          <p:cNvPr id="1026" name="Picture 2" descr="http://www.coolmath-games.com/sites/cmatgame/files/fireboy-watergirl-ice-temple.jpg"/>
+          <p:cNvPicPr>
+            <a:picLocks noChangeAspect="1" noChangeArrowheads="1"/>
+          </p:cNvPicPr>
+          <p:nvPr/>
+        </p:nvPicPr>
+        <p:blipFill>
+          <a:blip r:embed="rId2">
+            <a:extLst>
+              <a:ext uri="{28A0092B-C50C-407E-A947-70E740481C1C}">
+                <a14:useLocalDpi xmlns:a14="http://schemas.microsoft.com/office/drawing/2010/main" val="0"/>
+              </a:ext>
+            </a:extLst>
+          </a:blip>
+          <a:srcRect/>
+          <a:stretch>
+            <a:fillRect/>
+          </a:stretch>
+        </p:blipFill>
+        <p:spPr bwMode="auto">
+          <a:xfrm>
+            <a:off x="0" y="2057400"/>
+            <a:ext cx="4111841" cy="2144031"/>
+          </a:xfrm>
+          <a:prstGeom prst="rect">
+            <a:avLst/>
+          </a:prstGeom>
+          <a:noFill/>
+          <a:extLst>
+            <a:ext uri="{909E8E84-426E-40DD-AFC4-6F175D3DCCD1}">
+              <a14:hiddenFill xmlns:a14="http://schemas.microsoft.com/office/drawing/2010/main">
+                <a:solidFill>
+                  <a:srgbClr val="FFFFFF"/>
+                </a:solidFill>
+              </a14:hiddenFill>
+            </a:ext>
+          </a:extLst>
+        </p:spPr>
+      </p:pic>
     </p:spTree>
   </p:cSld>
   <p:clrMapOvr>

--- a/Presentation/L4-5 Group 6 Second pres.pptx
+++ b/Presentation/L4-5 Group 6 Second pres.pptx
@@ -10,10 +10,10 @@
     <p:sldId id="265" r:id="rId4"/>
     <p:sldId id="261" r:id="rId5"/>
     <p:sldId id="258" r:id="rId6"/>
-    <p:sldId id="259" r:id="rId7"/>
-    <p:sldId id="260" r:id="rId8"/>
-    <p:sldId id="262" r:id="rId9"/>
-    <p:sldId id="264" r:id="rId10"/>
+    <p:sldId id="267" r:id="rId7"/>
+    <p:sldId id="259" r:id="rId8"/>
+    <p:sldId id="260" r:id="rId9"/>
+    <p:sldId id="262" r:id="rId10"/>
     <p:sldId id="263" r:id="rId11"/>
     <p:sldId id="266" r:id="rId12"/>
   </p:sldIdLst>
@@ -310,7 +310,7 @@
             <a:fld id="{BC09E712-EE78-41FF-8A3A-F9964AC04441}" type="datetimeFigureOut">
               <a:rPr lang="en-GB" smtClean="0"/>
               <a:pPr/>
-              <a:t>27/02/2017</a:t>
+              <a:t>28/02/2017</a:t>
             </a:fld>
             <a:endParaRPr lang="en-GB"/>
           </a:p>
@@ -482,7 +482,7 @@
             <a:fld id="{BC09E712-EE78-41FF-8A3A-F9964AC04441}" type="datetimeFigureOut">
               <a:rPr lang="en-GB" smtClean="0"/>
               <a:pPr/>
-              <a:t>27/02/2017</a:t>
+              <a:t>28/02/2017</a:t>
             </a:fld>
             <a:endParaRPr lang="en-GB"/>
           </a:p>
@@ -707,7 +707,7 @@
             <a:fld id="{BC09E712-EE78-41FF-8A3A-F9964AC04441}" type="datetimeFigureOut">
               <a:rPr lang="en-GB" smtClean="0"/>
               <a:pPr/>
-              <a:t>27/02/2017</a:t>
+              <a:t>28/02/2017</a:t>
             </a:fld>
             <a:endParaRPr lang="en-GB"/>
           </a:p>
@@ -889,7 +889,7 @@
             <a:fld id="{BC09E712-EE78-41FF-8A3A-F9964AC04441}" type="datetimeFigureOut">
               <a:rPr lang="en-GB" smtClean="0"/>
               <a:pPr/>
-              <a:t>27/02/2017</a:t>
+              <a:t>28/02/2017</a:t>
             </a:fld>
             <a:endParaRPr lang="en-GB"/>
           </a:p>
@@ -1197,7 +1197,7 @@
             <a:fld id="{BC09E712-EE78-41FF-8A3A-F9964AC04441}" type="datetimeFigureOut">
               <a:rPr lang="en-GB" smtClean="0"/>
               <a:pPr/>
-              <a:t>27/02/2017</a:t>
+              <a:t>28/02/2017</a:t>
             </a:fld>
             <a:endParaRPr lang="en-GB"/>
           </a:p>
@@ -1503,7 +1503,7 @@
             <a:fld id="{BC09E712-EE78-41FF-8A3A-F9964AC04441}" type="datetimeFigureOut">
               <a:rPr lang="en-GB" smtClean="0"/>
               <a:pPr/>
-              <a:t>27/02/2017</a:t>
+              <a:t>28/02/2017</a:t>
             </a:fld>
             <a:endParaRPr lang="en-GB"/>
           </a:p>
@@ -1927,7 +1927,7 @@
             <a:fld id="{BC09E712-EE78-41FF-8A3A-F9964AC04441}" type="datetimeFigureOut">
               <a:rPr lang="en-GB" smtClean="0"/>
               <a:pPr/>
-              <a:t>27/02/2017</a:t>
+              <a:t>28/02/2017</a:t>
             </a:fld>
             <a:endParaRPr lang="en-GB"/>
           </a:p>
@@ -2047,7 +2047,7 @@
             <a:fld id="{BC09E712-EE78-41FF-8A3A-F9964AC04441}" type="datetimeFigureOut">
               <a:rPr lang="en-GB" smtClean="0"/>
               <a:pPr/>
-              <a:t>27/02/2017</a:t>
+              <a:t>28/02/2017</a:t>
             </a:fld>
             <a:endParaRPr lang="en-GB"/>
           </a:p>
@@ -2144,7 +2144,7 @@
             <a:fld id="{BC09E712-EE78-41FF-8A3A-F9964AC04441}" type="datetimeFigureOut">
               <a:rPr lang="en-GB" smtClean="0"/>
               <a:pPr/>
-              <a:t>27/02/2017</a:t>
+              <a:t>28/02/2017</a:t>
             </a:fld>
             <a:endParaRPr lang="en-GB"/>
           </a:p>
@@ -2419,7 +2419,7 @@
             <a:fld id="{BC09E712-EE78-41FF-8A3A-F9964AC04441}" type="datetimeFigureOut">
               <a:rPr lang="en-GB" smtClean="0"/>
               <a:pPr/>
-              <a:t>27/02/2017</a:t>
+              <a:t>28/02/2017</a:t>
             </a:fld>
             <a:endParaRPr lang="en-GB"/>
           </a:p>
@@ -2686,7 +2686,7 @@
             <a:fld id="{BC09E712-EE78-41FF-8A3A-F9964AC04441}" type="datetimeFigureOut">
               <a:rPr lang="en-GB" smtClean="0"/>
               <a:pPr/>
-              <a:t>27/02/2017</a:t>
+              <a:t>28/02/2017</a:t>
             </a:fld>
             <a:endParaRPr lang="en-GB"/>
           </a:p>
@@ -2937,7 +2937,7 @@
             <a:fld id="{BC09E712-EE78-41FF-8A3A-F9964AC04441}" type="datetimeFigureOut">
               <a:rPr lang="en-GB" smtClean="0"/>
               <a:pPr/>
-              <a:t>27/02/2017</a:t>
+              <a:t>28/02/2017</a:t>
             </a:fld>
             <a:endParaRPr lang="en-GB"/>
           </a:p>
@@ -4081,19 +4081,17 @@
             <p:ph idx="1"/>
           </p:nvPr>
         </p:nvSpPr>
-        <p:spPr/>
-        <p:txBody>
-          <a:bodyPr/>
-          <a:lstStyle/>
-          <a:p>
-            <a:pPr>
-              <a:buNone/>
-            </a:pPr>
-            <a:r>
-              <a:rPr lang="en-GB" dirty="0"/>
-              <a:t>Gravity- </a:t>
-            </a:r>
-          </a:p>
+        <p:spPr>
+          <a:xfrm>
+            <a:off x="685019" y="2011680"/>
+            <a:ext cx="7772400" cy="2712720"/>
+          </a:xfrm>
+        </p:spPr>
+        <p:txBody>
+          <a:bodyPr>
+            <a:normAutofit/>
+          </a:bodyPr>
+          <a:lstStyle/>
           <a:p>
             <a:pPr>
               <a:buFont typeface="Wingdings" panose="05000000000000000000" pitchFamily="2" charset="2"/>
@@ -4101,7 +4099,16 @@
             </a:pPr>
             <a:r>
               <a:rPr lang="en-GB" dirty="0"/>
-              <a:t>Items falling</a:t>
+              <a:t>Gravity</a:t>
+            </a:r>
+          </a:p>
+          <a:p>
+            <a:pPr marL="0" indent="0">
+              <a:buNone/>
+            </a:pPr>
+            <a:r>
+              <a:rPr lang="en-GB" dirty="0"/>
+              <a:t>-Player and objects fall</a:t>
             </a:r>
           </a:p>
           <a:p>
@@ -4118,42 +4125,22 @@
             </a:pPr>
             <a:r>
               <a:rPr lang="en-GB" dirty="0"/>
-              <a:t>Player falling</a:t>
-            </a:r>
-          </a:p>
-          <a:p>
-            <a:pPr>
-              <a:buFont typeface="Wingdings" panose="05000000000000000000" pitchFamily="2" charset="2"/>
-              <a:buChar char="v"/>
+              <a:t>Bouncing</a:t>
+            </a:r>
+          </a:p>
+          <a:p>
+            <a:pPr marL="0" indent="0">
+              <a:buNone/>
             </a:pPr>
-            <a:endParaRPr lang="en-GB" dirty="0"/>
-          </a:p>
-          <a:p>
-            <a:pPr>
-              <a:buFont typeface="Wingdings" panose="05000000000000000000" pitchFamily="2" charset="2"/>
-              <a:buChar char="v"/>
+            <a:r>
+              <a:rPr lang="en-GB" dirty="0"/>
+              <a:t>-Pressure weight will bounce when falling</a:t>
+            </a:r>
+          </a:p>
+          <a:p>
+            <a:pPr marL="0" indent="0">
+              <a:buNone/>
             </a:pPr>
-            <a:r>
-              <a:rPr lang="en-GB" dirty="0"/>
-              <a:t>Movable objects</a:t>
-            </a:r>
-          </a:p>
-          <a:p>
-            <a:pPr>
-              <a:buNone/>
-            </a:pPr>
-            <a:r>
-              <a:rPr lang="en-GB" dirty="0"/>
-              <a:t> </a:t>
-            </a:r>
-          </a:p>
-          <a:p>
-            <a:pPr marL="0" indent="0">
-              <a:buNone/>
-            </a:pPr>
-            <a:endParaRPr lang="en-GB" dirty="0"/>
-          </a:p>
-          <a:p>
             <a:endParaRPr lang="en-GB" dirty="0"/>
           </a:p>
           <a:p>
@@ -4302,6 +4289,118 @@
 </file>
 
 <file path=ppt/slides/slide6.xml><?xml version="1.0" encoding="utf-8"?>
+<p:sld xmlns:a="http://schemas.openxmlformats.org/drawingml/2006/main" xmlns:r="http://schemas.openxmlformats.org/officeDocument/2006/relationships" xmlns:p="http://schemas.openxmlformats.org/presentationml/2006/main">
+  <p:cSld>
+    <p:spTree>
+      <p:nvGrpSpPr>
+        <p:cNvPr id="1" name=""/>
+        <p:cNvGrpSpPr/>
+        <p:nvPr/>
+      </p:nvGrpSpPr>
+      <p:grpSpPr>
+        <a:xfrm>
+          <a:off x="0" y="0"/>
+          <a:ext cx="0" cy="0"/>
+          <a:chOff x="0" y="0"/>
+          <a:chExt cx="0" cy="0"/>
+        </a:xfrm>
+      </p:grpSpPr>
+      <p:sp>
+        <p:nvSpPr>
+          <p:cNvPr id="2" name="Title 1"/>
+          <p:cNvSpPr>
+            <a:spLocks noGrp="1"/>
+          </p:cNvSpPr>
+          <p:nvPr>
+            <p:ph type="title"/>
+          </p:nvPr>
+        </p:nvSpPr>
+        <p:spPr/>
+        <p:txBody>
+          <a:bodyPr/>
+          <a:lstStyle/>
+          <a:p>
+            <a:r>
+              <a:rPr lang="en-GB" dirty="0"/>
+              <a:t>The Game</a:t>
+            </a:r>
+          </a:p>
+        </p:txBody>
+      </p:sp>
+      <p:pic>
+        <p:nvPicPr>
+          <p:cNvPr id="4" name="Picture 3"/>
+          <p:cNvPicPr>
+            <a:picLocks noChangeAspect="1"/>
+          </p:cNvPicPr>
+          <p:nvPr/>
+        </p:nvPicPr>
+        <p:blipFill>
+          <a:blip r:embed="rId2">
+            <a:extLst>
+              <a:ext uri="{28A0092B-C50C-407E-A947-70E740481C1C}">
+                <a14:useLocalDpi xmlns:a14="http://schemas.microsoft.com/office/drawing/2010/main" val="0"/>
+              </a:ext>
+            </a:extLst>
+          </a:blip>
+          <a:stretch>
+            <a:fillRect/>
+          </a:stretch>
+        </p:blipFill>
+        <p:spPr>
+          <a:xfrm>
+            <a:off x="-1" y="1792936"/>
+            <a:ext cx="5334001" cy="2542541"/>
+          </a:xfrm>
+          <a:prstGeom prst="rect">
+            <a:avLst/>
+          </a:prstGeom>
+        </p:spPr>
+      </p:pic>
+      <p:pic>
+        <p:nvPicPr>
+          <p:cNvPr id="6" name="Picture 5"/>
+          <p:cNvPicPr>
+            <a:picLocks noChangeAspect="1"/>
+          </p:cNvPicPr>
+          <p:nvPr/>
+        </p:nvPicPr>
+        <p:blipFill>
+          <a:blip r:embed="rId3">
+            <a:extLst>
+              <a:ext uri="{28A0092B-C50C-407E-A947-70E740481C1C}">
+                <a14:useLocalDpi xmlns:a14="http://schemas.microsoft.com/office/drawing/2010/main" val="0"/>
+              </a:ext>
+            </a:extLst>
+          </a:blip>
+          <a:stretch>
+            <a:fillRect/>
+          </a:stretch>
+        </p:blipFill>
+        <p:spPr>
+          <a:xfrm>
+            <a:off x="4038600" y="4458462"/>
+            <a:ext cx="5105400" cy="2399538"/>
+          </a:xfrm>
+          <a:prstGeom prst="rect">
+            <a:avLst/>
+          </a:prstGeom>
+        </p:spPr>
+      </p:pic>
+    </p:spTree>
+    <p:extLst>
+      <p:ext uri="{BB962C8B-B14F-4D97-AF65-F5344CB8AC3E}">
+        <p14:creationId xmlns:p14="http://schemas.microsoft.com/office/powerpoint/2010/main" val="3677067511"/>
+      </p:ext>
+    </p:extLst>
+  </p:cSld>
+  <p:clrMapOvr>
+    <a:masterClrMapping/>
+  </p:clrMapOvr>
+</p:sld>
+</file>
+
+<file path=ppt/slides/slide7.xml><?xml version="1.0" encoding="utf-8"?>
 <p:sld xmlns:a="http://schemas.openxmlformats.org/drawingml/2006/main" xmlns:r="http://schemas.openxmlformats.org/officeDocument/2006/relationships" xmlns:p="http://schemas.openxmlformats.org/presentationml/2006/main">
   <p:cSld>
     <p:spTree>
@@ -4395,128 +4494,6 @@
 </p:sld>
 </file>
 
-<file path=ppt/slides/slide7.xml><?xml version="1.0" encoding="utf-8"?>
-<p:sld xmlns:a="http://schemas.openxmlformats.org/drawingml/2006/main" xmlns:r="http://schemas.openxmlformats.org/officeDocument/2006/relationships" xmlns:p="http://schemas.openxmlformats.org/presentationml/2006/main">
-  <p:cSld>
-    <p:spTree>
-      <p:nvGrpSpPr>
-        <p:cNvPr id="1" name=""/>
-        <p:cNvGrpSpPr/>
-        <p:nvPr/>
-      </p:nvGrpSpPr>
-      <p:grpSpPr>
-        <a:xfrm>
-          <a:off x="0" y="0"/>
-          <a:ext cx="0" cy="0"/>
-          <a:chOff x="0" y="0"/>
-          <a:chExt cx="0" cy="0"/>
-        </a:xfrm>
-      </p:grpSpPr>
-      <p:sp>
-        <p:nvSpPr>
-          <p:cNvPr id="2" name="Title 1"/>
-          <p:cNvSpPr>
-            <a:spLocks noGrp="1"/>
-          </p:cNvSpPr>
-          <p:nvPr>
-            <p:ph type="title"/>
-          </p:nvPr>
-        </p:nvSpPr>
-        <p:spPr/>
-        <p:txBody>
-          <a:bodyPr/>
-          <a:lstStyle/>
-          <a:p>
-            <a:r>
-              <a:rPr lang="en-GB" dirty="0"/>
-              <a:t>What does the player do ?</a:t>
-            </a:r>
-          </a:p>
-        </p:txBody>
-      </p:sp>
-      <p:sp>
-        <p:nvSpPr>
-          <p:cNvPr id="3" name="Content Placeholder 2"/>
-          <p:cNvSpPr>
-            <a:spLocks noGrp="1"/>
-          </p:cNvSpPr>
-          <p:nvPr>
-            <p:ph idx="1"/>
-          </p:nvPr>
-        </p:nvSpPr>
-        <p:spPr/>
-        <p:txBody>
-          <a:bodyPr>
-            <a:normAutofit/>
-          </a:bodyPr>
-          <a:lstStyle/>
-          <a:p>
-            <a:pPr>
-              <a:buFont typeface="Wingdings" panose="05000000000000000000" pitchFamily="2" charset="2"/>
-              <a:buChar char="v"/>
-            </a:pPr>
-            <a:r>
-              <a:rPr lang="en-GB" dirty="0"/>
-              <a:t>Move Objects</a:t>
-            </a:r>
-          </a:p>
-          <a:p>
-            <a:endParaRPr lang="en-GB" dirty="0"/>
-          </a:p>
-          <a:p>
-            <a:pPr>
-              <a:buFont typeface="Wingdings" panose="05000000000000000000" pitchFamily="2" charset="2"/>
-              <a:buChar char="v"/>
-            </a:pPr>
-            <a:r>
-              <a:rPr lang="en-GB" dirty="0"/>
-              <a:t>Competitive – goal </a:t>
-            </a:r>
-          </a:p>
-          <a:p>
-            <a:endParaRPr lang="en-GB" dirty="0"/>
-          </a:p>
-          <a:p>
-            <a:pPr>
-              <a:buFont typeface="Wingdings" panose="05000000000000000000" pitchFamily="2" charset="2"/>
-              <a:buChar char="v"/>
-            </a:pPr>
-            <a:r>
-              <a:rPr lang="en-GB" dirty="0"/>
-              <a:t>Change Gravity</a:t>
-            </a:r>
-          </a:p>
-          <a:p>
-            <a:endParaRPr lang="en-GB" dirty="0"/>
-          </a:p>
-          <a:p>
-            <a:pPr marL="0" indent="0">
-              <a:buNone/>
-            </a:pPr>
-            <a:r>
-              <a:rPr lang="en-GB" dirty="0"/>
-              <a:t> </a:t>
-            </a:r>
-          </a:p>
-          <a:p>
-            <a:endParaRPr lang="en-GB" dirty="0"/>
-          </a:p>
-          <a:p>
-            <a:endParaRPr lang="en-GB" dirty="0"/>
-          </a:p>
-          <a:p>
-            <a:endParaRPr lang="en-GB" dirty="0"/>
-          </a:p>
-        </p:txBody>
-      </p:sp>
-    </p:spTree>
-  </p:cSld>
-  <p:clrMapOvr>
-    <a:masterClrMapping/>
-  </p:clrMapOvr>
-</p:sld>
-</file>
-
 <file path=ppt/slides/slide8.xml><?xml version="1.0" encoding="utf-8"?>
 <p:sld xmlns:a="http://schemas.openxmlformats.org/drawingml/2006/main" xmlns:r="http://schemas.openxmlformats.org/officeDocument/2006/relationships" xmlns:p="http://schemas.openxmlformats.org/presentationml/2006/main">
   <p:cSld>
@@ -4551,8 +4528,97 @@
           <a:p>
             <a:r>
               <a:rPr lang="en-GB" dirty="0"/>
-              <a:t>Art style </a:t>
-            </a:r>
+              <a:t>What does the player do ?</a:t>
+            </a:r>
+          </a:p>
+        </p:txBody>
+      </p:sp>
+      <p:sp>
+        <p:nvSpPr>
+          <p:cNvPr id="3" name="Content Placeholder 2"/>
+          <p:cNvSpPr>
+            <a:spLocks noGrp="1"/>
+          </p:cNvSpPr>
+          <p:nvPr>
+            <p:ph idx="1"/>
+          </p:nvPr>
+        </p:nvSpPr>
+        <p:spPr/>
+        <p:txBody>
+          <a:bodyPr>
+            <a:normAutofit lnSpcReduction="10000"/>
+          </a:bodyPr>
+          <a:lstStyle/>
+          <a:p>
+            <a:pPr>
+              <a:buFont typeface="Wingdings" panose="05000000000000000000" pitchFamily="2" charset="2"/>
+              <a:buChar char="v"/>
+            </a:pPr>
+            <a:r>
+              <a:rPr lang="en-GB" dirty="0"/>
+              <a:t>Move Objects</a:t>
+            </a:r>
+          </a:p>
+          <a:p>
+            <a:endParaRPr lang="en-GB" dirty="0"/>
+          </a:p>
+          <a:p>
+            <a:pPr>
+              <a:buFont typeface="Wingdings" panose="05000000000000000000" pitchFamily="2" charset="2"/>
+              <a:buChar char="v"/>
+            </a:pPr>
+            <a:r>
+              <a:rPr lang="en-GB" dirty="0"/>
+              <a:t>Competitive – goal </a:t>
+            </a:r>
+          </a:p>
+          <a:p>
+            <a:endParaRPr lang="en-GB" dirty="0"/>
+          </a:p>
+          <a:p>
+            <a:pPr>
+              <a:buFont typeface="Wingdings" panose="05000000000000000000" pitchFamily="2" charset="2"/>
+              <a:buChar char="v"/>
+            </a:pPr>
+            <a:r>
+              <a:rPr lang="en-GB" dirty="0"/>
+              <a:t>Change Gravity</a:t>
+            </a:r>
+          </a:p>
+          <a:p>
+            <a:pPr>
+              <a:buFont typeface="Wingdings" panose="05000000000000000000" pitchFamily="2" charset="2"/>
+              <a:buChar char="v"/>
+            </a:pPr>
+            <a:endParaRPr lang="en-GB" dirty="0"/>
+          </a:p>
+          <a:p>
+            <a:pPr>
+              <a:buFont typeface="Wingdings" panose="05000000000000000000" pitchFamily="2" charset="2"/>
+              <a:buChar char="v"/>
+            </a:pPr>
+            <a:endParaRPr lang="en-GB" dirty="0"/>
+          </a:p>
+          <a:p>
+            <a:endParaRPr lang="en-GB" dirty="0"/>
+          </a:p>
+          <a:p>
+            <a:pPr marL="0" indent="0">
+              <a:buNone/>
+            </a:pPr>
+            <a:r>
+              <a:rPr lang="en-GB" dirty="0"/>
+              <a:t> </a:t>
+            </a:r>
+          </a:p>
+          <a:p>
+            <a:endParaRPr lang="en-GB" dirty="0"/>
+          </a:p>
+          <a:p>
+            <a:endParaRPr lang="en-GB" dirty="0"/>
+          </a:p>
+          <a:p>
+            <a:endParaRPr lang="en-GB" dirty="0"/>
           </a:p>
         </p:txBody>
       </p:sp>
@@ -4598,11 +4664,221 @@
           <a:p>
             <a:r>
               <a:rPr lang="en-GB" dirty="0"/>
-              <a:t>Visual hierarchy </a:t>
-            </a:r>
-          </a:p>
-        </p:txBody>
-      </p:sp>
+              <a:t>Art style </a:t>
+            </a:r>
+          </a:p>
+        </p:txBody>
+      </p:sp>
+      <p:pic>
+        <p:nvPicPr>
+          <p:cNvPr id="4" name="Picture 3"/>
+          <p:cNvPicPr>
+            <a:picLocks noChangeAspect="1"/>
+          </p:cNvPicPr>
+          <p:nvPr/>
+        </p:nvPicPr>
+        <p:blipFill>
+          <a:blip r:embed="rId2">
+            <a:extLst>
+              <a:ext uri="{28A0092B-C50C-407E-A947-70E740481C1C}">
+                <a14:useLocalDpi xmlns:a14="http://schemas.microsoft.com/office/drawing/2010/main" val="0"/>
+              </a:ext>
+            </a:extLst>
+          </a:blip>
+          <a:stretch>
+            <a:fillRect/>
+          </a:stretch>
+        </p:blipFill>
+        <p:spPr>
+          <a:xfrm>
+            <a:off x="5350933" y="3070214"/>
+            <a:ext cx="996515" cy="996515"/>
+          </a:xfrm>
+          <a:prstGeom prst="rect">
+            <a:avLst/>
+          </a:prstGeom>
+        </p:spPr>
+      </p:pic>
+      <p:pic>
+        <p:nvPicPr>
+          <p:cNvPr id="5" name="Picture 4"/>
+          <p:cNvPicPr>
+            <a:picLocks noChangeAspect="1"/>
+          </p:cNvPicPr>
+          <p:nvPr/>
+        </p:nvPicPr>
+        <p:blipFill>
+          <a:blip r:embed="rId3">
+            <a:extLst>
+              <a:ext uri="{28A0092B-C50C-407E-A947-70E740481C1C}">
+                <a14:useLocalDpi xmlns:a14="http://schemas.microsoft.com/office/drawing/2010/main" val="0"/>
+              </a:ext>
+            </a:extLst>
+          </a:blip>
+          <a:stretch>
+            <a:fillRect/>
+          </a:stretch>
+        </p:blipFill>
+        <p:spPr>
+          <a:xfrm>
+            <a:off x="4075919" y="3070214"/>
+            <a:ext cx="1002429" cy="1002429"/>
+          </a:xfrm>
+          <a:prstGeom prst="rect">
+            <a:avLst/>
+          </a:prstGeom>
+        </p:spPr>
+      </p:pic>
+      <p:pic>
+        <p:nvPicPr>
+          <p:cNvPr id="6" name="Picture 5"/>
+          <p:cNvPicPr>
+            <a:picLocks noChangeAspect="1"/>
+          </p:cNvPicPr>
+          <p:nvPr/>
+        </p:nvPicPr>
+        <p:blipFill>
+          <a:blip r:embed="rId4">
+            <a:extLst>
+              <a:ext uri="{28A0092B-C50C-407E-A947-70E740481C1C}">
+                <a14:useLocalDpi xmlns:a14="http://schemas.microsoft.com/office/drawing/2010/main" val="0"/>
+              </a:ext>
+            </a:extLst>
+          </a:blip>
+          <a:stretch>
+            <a:fillRect/>
+          </a:stretch>
+        </p:blipFill>
+        <p:spPr>
+          <a:xfrm>
+            <a:off x="601647" y="2298207"/>
+            <a:ext cx="884261" cy="884261"/>
+          </a:xfrm>
+          <a:prstGeom prst="rect">
+            <a:avLst/>
+          </a:prstGeom>
+        </p:spPr>
+      </p:pic>
+      <p:pic>
+        <p:nvPicPr>
+          <p:cNvPr id="7" name="Picture 6"/>
+          <p:cNvPicPr>
+            <a:picLocks noChangeAspect="1"/>
+          </p:cNvPicPr>
+          <p:nvPr/>
+        </p:nvPicPr>
+        <p:blipFill>
+          <a:blip r:embed="rId5">
+            <a:extLst>
+              <a:ext uri="{28A0092B-C50C-407E-A947-70E740481C1C}">
+                <a14:useLocalDpi xmlns:a14="http://schemas.microsoft.com/office/drawing/2010/main" val="0"/>
+              </a:ext>
+            </a:extLst>
+          </a:blip>
+          <a:stretch>
+            <a:fillRect/>
+          </a:stretch>
+        </p:blipFill>
+        <p:spPr>
+          <a:xfrm>
+            <a:off x="6620033" y="3070214"/>
+            <a:ext cx="996515" cy="996515"/>
+          </a:xfrm>
+          <a:prstGeom prst="rect">
+            <a:avLst/>
+          </a:prstGeom>
+        </p:spPr>
+      </p:pic>
+      <p:pic>
+        <p:nvPicPr>
+          <p:cNvPr id="8" name="Picture 7"/>
+          <p:cNvPicPr>
+            <a:picLocks noChangeAspect="1"/>
+          </p:cNvPicPr>
+          <p:nvPr/>
+        </p:nvPicPr>
+        <p:blipFill>
+          <a:blip r:embed="rId6">
+            <a:extLst>
+              <a:ext uri="{28A0092B-C50C-407E-A947-70E740481C1C}">
+                <a14:useLocalDpi xmlns:a14="http://schemas.microsoft.com/office/drawing/2010/main" val="0"/>
+              </a:ext>
+            </a:extLst>
+          </a:blip>
+          <a:stretch>
+            <a:fillRect/>
+          </a:stretch>
+        </p:blipFill>
+        <p:spPr>
+          <a:xfrm>
+            <a:off x="601647" y="3182468"/>
+            <a:ext cx="884261" cy="884261"/>
+          </a:xfrm>
+          <a:prstGeom prst="rect">
+            <a:avLst/>
+          </a:prstGeom>
+        </p:spPr>
+      </p:pic>
+      <p:pic>
+        <p:nvPicPr>
+          <p:cNvPr id="9" name="Picture 8"/>
+          <p:cNvPicPr>
+            <a:picLocks noChangeAspect="1"/>
+          </p:cNvPicPr>
+          <p:nvPr/>
+        </p:nvPicPr>
+        <p:blipFill>
+          <a:blip r:embed="rId7">
+            <a:extLst>
+              <a:ext uri="{28A0092B-C50C-407E-A947-70E740481C1C}">
+                <a14:useLocalDpi xmlns:a14="http://schemas.microsoft.com/office/drawing/2010/main" val="0"/>
+              </a:ext>
+            </a:extLst>
+          </a:blip>
+          <a:stretch>
+            <a:fillRect/>
+          </a:stretch>
+        </p:blipFill>
+        <p:spPr>
+          <a:xfrm>
+            <a:off x="2917206" y="3076129"/>
+            <a:ext cx="990600" cy="990600"/>
+          </a:xfrm>
+          <a:prstGeom prst="rect">
+            <a:avLst/>
+          </a:prstGeom>
+        </p:spPr>
+      </p:pic>
+      <p:pic>
+        <p:nvPicPr>
+          <p:cNvPr id="10" name="Picture 9"/>
+          <p:cNvPicPr>
+            <a:picLocks noChangeAspect="1"/>
+          </p:cNvPicPr>
+          <p:nvPr/>
+        </p:nvPicPr>
+        <p:blipFill>
+          <a:blip r:embed="rId8">
+            <a:extLst>
+              <a:ext uri="{28A0092B-C50C-407E-A947-70E740481C1C}">
+                <a14:useLocalDpi xmlns:a14="http://schemas.microsoft.com/office/drawing/2010/main" val="0"/>
+              </a:ext>
+            </a:extLst>
+          </a:blip>
+          <a:stretch>
+            <a:fillRect/>
+          </a:stretch>
+        </p:blipFill>
+        <p:spPr>
+          <a:xfrm>
+            <a:off x="1758493" y="3076129"/>
+            <a:ext cx="990600" cy="990600"/>
+          </a:xfrm>
+          <a:prstGeom prst="rect">
+            <a:avLst/>
+          </a:prstGeom>
+        </p:spPr>
+      </p:pic>
     </p:spTree>
   </p:cSld>
   <p:clrMapOvr>
